--- a/lecture-presentations/2019-01-22.pptx
+++ b/lecture-presentations/2019-01-22.pptx
@@ -209,7 +209,7 @@
           <a:p>
             <a:fld id="{A677DEB0-5AA4-49C7-B0AD-AD047A002C4C}" type="datetimeFigureOut">
               <a:rPr lang="en-US" smtClean="0"/>
-              <a:t>1/21/2019</a:t>
+              <a:t>1/22/2019</a:t>
             </a:fld>
             <a:endParaRPr lang="en-US"/>
           </a:p>
@@ -1634,7 +1634,7 @@
           <a:p>
             <a:fld id="{1B52E0E1-344B-4E26-B5AD-CE86AB802485}" type="datetimeFigureOut">
               <a:rPr lang="en-US" smtClean="0"/>
-              <a:t>1/21/2019</a:t>
+              <a:t>1/22/2019</a:t>
             </a:fld>
             <a:endParaRPr lang="en-US"/>
           </a:p>
@@ -1832,7 +1832,7 @@
           <a:p>
             <a:fld id="{1B52E0E1-344B-4E26-B5AD-CE86AB802485}" type="datetimeFigureOut">
               <a:rPr lang="en-US" smtClean="0"/>
-              <a:t>1/21/2019</a:t>
+              <a:t>1/22/2019</a:t>
             </a:fld>
             <a:endParaRPr lang="en-US"/>
           </a:p>
@@ -2040,7 +2040,7 @@
           <a:p>
             <a:fld id="{1B52E0E1-344B-4E26-B5AD-CE86AB802485}" type="datetimeFigureOut">
               <a:rPr lang="en-US" smtClean="0"/>
-              <a:t>1/21/2019</a:t>
+              <a:t>1/22/2019</a:t>
             </a:fld>
             <a:endParaRPr lang="en-US"/>
           </a:p>
@@ -2238,7 +2238,7 @@
           <a:p>
             <a:fld id="{1B52E0E1-344B-4E26-B5AD-CE86AB802485}" type="datetimeFigureOut">
               <a:rPr lang="en-US" smtClean="0"/>
-              <a:t>1/21/2019</a:t>
+              <a:t>1/22/2019</a:t>
             </a:fld>
             <a:endParaRPr lang="en-US"/>
           </a:p>
@@ -2513,7 +2513,7 @@
           <a:p>
             <a:fld id="{1B52E0E1-344B-4E26-B5AD-CE86AB802485}" type="datetimeFigureOut">
               <a:rPr lang="en-US" smtClean="0"/>
-              <a:t>1/21/2019</a:t>
+              <a:t>1/22/2019</a:t>
             </a:fld>
             <a:endParaRPr lang="en-US"/>
           </a:p>
@@ -2778,7 +2778,7 @@
           <a:p>
             <a:fld id="{1B52E0E1-344B-4E26-B5AD-CE86AB802485}" type="datetimeFigureOut">
               <a:rPr lang="en-US" smtClean="0"/>
-              <a:t>1/21/2019</a:t>
+              <a:t>1/22/2019</a:t>
             </a:fld>
             <a:endParaRPr lang="en-US"/>
           </a:p>
@@ -3190,7 +3190,7 @@
           <a:p>
             <a:fld id="{1B52E0E1-344B-4E26-B5AD-CE86AB802485}" type="datetimeFigureOut">
               <a:rPr lang="en-US" smtClean="0"/>
-              <a:t>1/21/2019</a:t>
+              <a:t>1/22/2019</a:t>
             </a:fld>
             <a:endParaRPr lang="en-US"/>
           </a:p>
@@ -3331,7 +3331,7 @@
           <a:p>
             <a:fld id="{1B52E0E1-344B-4E26-B5AD-CE86AB802485}" type="datetimeFigureOut">
               <a:rPr lang="en-US" smtClean="0"/>
-              <a:t>1/21/2019</a:t>
+              <a:t>1/22/2019</a:t>
             </a:fld>
             <a:endParaRPr lang="en-US"/>
           </a:p>
@@ -3444,7 +3444,7 @@
           <a:p>
             <a:fld id="{1B52E0E1-344B-4E26-B5AD-CE86AB802485}" type="datetimeFigureOut">
               <a:rPr lang="en-US" smtClean="0"/>
-              <a:t>1/21/2019</a:t>
+              <a:t>1/22/2019</a:t>
             </a:fld>
             <a:endParaRPr lang="en-US"/>
           </a:p>
@@ -3755,7 +3755,7 @@
           <a:p>
             <a:fld id="{1B52E0E1-344B-4E26-B5AD-CE86AB802485}" type="datetimeFigureOut">
               <a:rPr lang="en-US" smtClean="0"/>
-              <a:t>1/21/2019</a:t>
+              <a:t>1/22/2019</a:t>
             </a:fld>
             <a:endParaRPr lang="en-US"/>
           </a:p>
@@ -4043,7 +4043,7 @@
           <a:p>
             <a:fld id="{1B52E0E1-344B-4E26-B5AD-CE86AB802485}" type="datetimeFigureOut">
               <a:rPr lang="en-US" smtClean="0"/>
-              <a:t>1/21/2019</a:t>
+              <a:t>1/22/2019</a:t>
             </a:fld>
             <a:endParaRPr lang="en-US"/>
           </a:p>
@@ -4284,7 +4284,7 @@
           <a:p>
             <a:fld id="{1B52E0E1-344B-4E26-B5AD-CE86AB802485}" type="datetimeFigureOut">
               <a:rPr lang="en-US" smtClean="0"/>
-              <a:t>1/21/2019</a:t>
+              <a:t>1/22/2019</a:t>
             </a:fld>
             <a:endParaRPr lang="en-US"/>
           </a:p>
@@ -6690,7 +6690,72 @@
             </a:pPr>
             <a:r>
               <a:rPr lang="en-US" dirty="0"/>
+              <a:t>Review hierarchical directory structures, create a director for all work for this class, download course materials, and create a lab area</a:t>
+            </a:r>
+          </a:p>
+          <a:p>
+            <a:pPr marL="914400" lvl="1" indent="-457200" algn="l">
+              <a:spcBef>
+                <a:spcPts val="0"/>
+              </a:spcBef>
+              <a:buFont typeface="+mj-lt"/>
+              <a:buAutoNum type="alphaUcPeriod"/>
+            </a:pPr>
+            <a:r>
+              <a:rPr lang="en-US" dirty="0"/>
               <a:t>BMI Calculator Plus coding together</a:t>
+            </a:r>
+          </a:p>
+          <a:p>
+            <a:pPr marL="1371600" lvl="2" indent="-457200" algn="l">
+              <a:spcBef>
+                <a:spcPts val="0"/>
+              </a:spcBef>
+              <a:buFont typeface="Wingdings" panose="05000000000000000000" pitchFamily="2" charset="2"/>
+              <a:buChar char="§"/>
+            </a:pPr>
+            <a:r>
+              <a:rPr lang="en-US" dirty="0"/>
+              <a:t>Inheritance</a:t>
+            </a:r>
+          </a:p>
+          <a:p>
+            <a:pPr marL="1371600" lvl="2" indent="-457200" algn="l">
+              <a:spcBef>
+                <a:spcPts val="0"/>
+              </a:spcBef>
+              <a:buFont typeface="Wingdings" panose="05000000000000000000" pitchFamily="2" charset="2"/>
+              <a:buChar char="§"/>
+            </a:pPr>
+            <a:r>
+              <a:rPr lang="en-US" dirty="0"/>
+              <a:t>Ownership</a:t>
+            </a:r>
+          </a:p>
+          <a:p>
+            <a:pPr marL="1371600" lvl="2" indent="-457200" algn="l">
+              <a:spcBef>
+                <a:spcPts val="0"/>
+              </a:spcBef>
+              <a:buFont typeface="Wingdings" panose="05000000000000000000" pitchFamily="2" charset="2"/>
+              <a:buChar char="§"/>
+            </a:pPr>
+            <a:r>
+              <a:rPr lang="en-US" dirty="0"/>
+              <a:t>Getters &amp; Setters</a:t>
+            </a:r>
+          </a:p>
+          <a:p>
+            <a:pPr marL="1371600" lvl="2" indent="-457200" algn="l">
+              <a:spcBef>
+                <a:spcPts val="0"/>
+              </a:spcBef>
+              <a:buFont typeface="Wingdings" panose="05000000000000000000" pitchFamily="2" charset="2"/>
+              <a:buChar char="§"/>
+            </a:pPr>
+            <a:r>
+              <a:rPr lang="en-US" dirty="0"/>
+              <a:t>Constructors</a:t>
             </a:r>
           </a:p>
           <a:p>
